--- a/Chapter04-NetLogo/Chapter4_Tutorial.pptx
+++ b/Chapter04-NetLogo/Chapter4_Tutorial.pptx
@@ -6,6 +6,7 @@
   </p:sldMasterIdLst>
   <p:sldIdLst>
     <p:sldId id="256" r:id="rId2"/>
+    <p:sldId id="258" r:id="rId3"/>
   </p:sldIdLst>
   <p:sldSz cx="12192000" cy="6858000"/>
   <p:notesSz cx="6858000" cy="9144000"/>
@@ -259,7 +260,7 @@
           <a:p>
             <a:fld id="{53326AB7-C146-8643-AC32-1D896C71A7F3}" type="datetimeFigureOut">
               <a:rPr lang="en-US" smtClean="0"/>
-              <a:t>7/16/18</a:t>
+              <a:t>7/30/18</a:t>
             </a:fld>
             <a:endParaRPr lang="en-US"/>
           </a:p>
@@ -457,7 +458,7 @@
           <a:p>
             <a:fld id="{53326AB7-C146-8643-AC32-1D896C71A7F3}" type="datetimeFigureOut">
               <a:rPr lang="en-US" smtClean="0"/>
-              <a:t>7/16/18</a:t>
+              <a:t>7/30/18</a:t>
             </a:fld>
             <a:endParaRPr lang="en-US"/>
           </a:p>
@@ -665,7 +666,7 @@
           <a:p>
             <a:fld id="{53326AB7-C146-8643-AC32-1D896C71A7F3}" type="datetimeFigureOut">
               <a:rPr lang="en-US" smtClean="0"/>
-              <a:t>7/16/18</a:t>
+              <a:t>7/30/18</a:t>
             </a:fld>
             <a:endParaRPr lang="en-US"/>
           </a:p>
@@ -863,7 +864,7 @@
           <a:p>
             <a:fld id="{53326AB7-C146-8643-AC32-1D896C71A7F3}" type="datetimeFigureOut">
               <a:rPr lang="en-US" smtClean="0"/>
-              <a:t>7/16/18</a:t>
+              <a:t>7/30/18</a:t>
             </a:fld>
             <a:endParaRPr lang="en-US"/>
           </a:p>
@@ -1138,7 +1139,7 @@
           <a:p>
             <a:fld id="{53326AB7-C146-8643-AC32-1D896C71A7F3}" type="datetimeFigureOut">
               <a:rPr lang="en-US" smtClean="0"/>
-              <a:t>7/16/18</a:t>
+              <a:t>7/30/18</a:t>
             </a:fld>
             <a:endParaRPr lang="en-US"/>
           </a:p>
@@ -1403,7 +1404,7 @@
           <a:p>
             <a:fld id="{53326AB7-C146-8643-AC32-1D896C71A7F3}" type="datetimeFigureOut">
               <a:rPr lang="en-US" smtClean="0"/>
-              <a:t>7/16/18</a:t>
+              <a:t>7/30/18</a:t>
             </a:fld>
             <a:endParaRPr lang="en-US"/>
           </a:p>
@@ -1815,7 +1816,7 @@
           <a:p>
             <a:fld id="{53326AB7-C146-8643-AC32-1D896C71A7F3}" type="datetimeFigureOut">
               <a:rPr lang="en-US" smtClean="0"/>
-              <a:t>7/16/18</a:t>
+              <a:t>7/30/18</a:t>
             </a:fld>
             <a:endParaRPr lang="en-US"/>
           </a:p>
@@ -1956,7 +1957,7 @@
           <a:p>
             <a:fld id="{53326AB7-C146-8643-AC32-1D896C71A7F3}" type="datetimeFigureOut">
               <a:rPr lang="en-US" smtClean="0"/>
-              <a:t>7/16/18</a:t>
+              <a:t>7/30/18</a:t>
             </a:fld>
             <a:endParaRPr lang="en-US"/>
           </a:p>
@@ -2069,7 +2070,7 @@
           <a:p>
             <a:fld id="{53326AB7-C146-8643-AC32-1D896C71A7F3}" type="datetimeFigureOut">
               <a:rPr lang="en-US" smtClean="0"/>
-              <a:t>7/16/18</a:t>
+              <a:t>7/30/18</a:t>
             </a:fld>
             <a:endParaRPr lang="en-US"/>
           </a:p>
@@ -2380,7 +2381,7 @@
           <a:p>
             <a:fld id="{53326AB7-C146-8643-AC32-1D896C71A7F3}" type="datetimeFigureOut">
               <a:rPr lang="en-US" smtClean="0"/>
-              <a:t>7/16/18</a:t>
+              <a:t>7/30/18</a:t>
             </a:fld>
             <a:endParaRPr lang="en-US"/>
           </a:p>
@@ -2668,7 +2669,7 @@
           <a:p>
             <a:fld id="{53326AB7-C146-8643-AC32-1D896C71A7F3}" type="datetimeFigureOut">
               <a:rPr lang="en-US" smtClean="0"/>
-              <a:t>7/16/18</a:t>
+              <a:t>7/30/18</a:t>
             </a:fld>
             <a:endParaRPr lang="en-US"/>
           </a:p>
@@ -2909,7 +2910,7 @@
           <a:p>
             <a:fld id="{53326AB7-C146-8643-AC32-1D896C71A7F3}" type="datetimeFigureOut">
               <a:rPr lang="en-US" smtClean="0"/>
-              <a:t>7/16/18</a:t>
+              <a:t>7/30/18</a:t>
             </a:fld>
             <a:endParaRPr lang="en-US"/>
           </a:p>
@@ -3349,7 +3350,7 @@
           <a:p>
             <a:r>
               <a:rPr lang="en-US" dirty="0"/>
-              <a:t>Chapter 3</a:t>
+              <a:t>Chapter 4</a:t>
             </a:r>
           </a:p>
         </p:txBody>
@@ -3377,13 +3378,7 @@
           <a:p>
             <a:r>
               <a:rPr lang="en-US" dirty="0"/>
-              <a:t>Designing and Developing an Agent-based</a:t>
-            </a:r>
-          </a:p>
-          <a:p>
-            <a:r>
-              <a:rPr lang="en-US" dirty="0"/>
-              <a:t>Model</a:t>
+              <a:t>Building Agent-Based Models with NetLogo</a:t>
             </a:r>
           </a:p>
         </p:txBody>
@@ -3392,6 +3387,111 @@
     <p:extLst>
       <p:ext uri="{BB962C8B-B14F-4D97-AF65-F5344CB8AC3E}">
         <p14:creationId xmlns:p14="http://schemas.microsoft.com/office/powerpoint/2010/main" val="27190754"/>
+      </p:ext>
+    </p:extLst>
+  </p:cSld>
+  <p:clrMapOvr>
+    <a:masterClrMapping/>
+  </p:clrMapOvr>
+</p:sld>
+</file>
+
+<file path=ppt/slides/slide2.xml><?xml version="1.0" encoding="utf-8"?>
+<p:sld xmlns:a="http://schemas.openxmlformats.org/drawingml/2006/main" xmlns:r="http://schemas.openxmlformats.org/officeDocument/2006/relationships" xmlns:p="http://schemas.openxmlformats.org/presentationml/2006/main">
+  <p:cSld>
+    <p:spTree>
+      <p:nvGrpSpPr>
+        <p:cNvPr id="1" name=""/>
+        <p:cNvGrpSpPr/>
+        <p:nvPr/>
+      </p:nvGrpSpPr>
+      <p:grpSpPr>
+        <a:xfrm>
+          <a:off x="0" y="0"/>
+          <a:ext cx="0" cy="0"/>
+          <a:chOff x="0" y="0"/>
+          <a:chExt cx="0" cy="0"/>
+        </a:xfrm>
+      </p:grpSpPr>
+      <p:sp>
+        <p:nvSpPr>
+          <p:cNvPr id="2" name="Title 1">
+            <a:extLst>
+              <a:ext uri="{FF2B5EF4-FFF2-40B4-BE49-F238E27FC236}">
+                <a16:creationId xmlns:a16="http://schemas.microsoft.com/office/drawing/2014/main" id="{29E549E6-5049-FB41-8836-E9506DA8AD9E}"/>
+              </a:ext>
+            </a:extLst>
+          </p:cNvPr>
+          <p:cNvSpPr>
+            <a:spLocks noGrp="1"/>
+          </p:cNvSpPr>
+          <p:nvPr>
+            <p:ph type="title"/>
+          </p:nvPr>
+        </p:nvSpPr>
+        <p:spPr/>
+        <p:txBody>
+          <a:bodyPr/>
+          <a:lstStyle/>
+          <a:p>
+            <a:r>
+              <a:rPr lang="en-US" dirty="0"/>
+              <a:t>Learning Objectives</a:t>
+            </a:r>
+          </a:p>
+        </p:txBody>
+      </p:sp>
+      <p:sp>
+        <p:nvSpPr>
+          <p:cNvPr id="3" name="Content Placeholder 2">
+            <a:extLst>
+              <a:ext uri="{FF2B5EF4-FFF2-40B4-BE49-F238E27FC236}">
+                <a16:creationId xmlns:a16="http://schemas.microsoft.com/office/drawing/2014/main" id="{673FFE6D-1FEF-BC4B-BF8D-0F81A4CB0ACB}"/>
+              </a:ext>
+            </a:extLst>
+          </p:cNvPr>
+          <p:cNvSpPr>
+            <a:spLocks noGrp="1"/>
+          </p:cNvSpPr>
+          <p:nvPr>
+            <p:ph idx="1"/>
+          </p:nvPr>
+        </p:nvSpPr>
+        <p:spPr/>
+        <p:txBody>
+          <a:bodyPr/>
+          <a:lstStyle/>
+          <a:p>
+            <a:pPr marL="0" indent="0">
+              <a:buNone/>
+            </a:pPr>
+            <a:endParaRPr lang="en-US" dirty="0"/>
+          </a:p>
+          <a:p>
+            <a:r>
+              <a:rPr lang="en-US" dirty="0"/>
+              <a:t>By the end of this practical lab you will be able to:</a:t>
+            </a:r>
+          </a:p>
+          <a:p>
+            <a:pPr lvl="1"/>
+            <a:r>
+              <a:rPr lang="en-US" dirty="0"/>
+              <a:t>s. </a:t>
+            </a:r>
+          </a:p>
+          <a:p>
+            <a:endParaRPr lang="en-US" dirty="0"/>
+          </a:p>
+          <a:p>
+            <a:endParaRPr lang="en-US" dirty="0"/>
+          </a:p>
+        </p:txBody>
+      </p:sp>
+    </p:spTree>
+    <p:extLst>
+      <p:ext uri="{BB962C8B-B14F-4D97-AF65-F5344CB8AC3E}">
+        <p14:creationId xmlns:p14="http://schemas.microsoft.com/office/powerpoint/2010/main" val="1345376052"/>
       </p:ext>
     </p:extLst>
   </p:cSld>
